--- a/The-Challenge-Rapid-Spread-of-Misinformation-and-Disinformation.pptx
+++ b/The-Challenge-Rapid-Spread-of-Misinformation-and-Disinformation.pptx
@@ -4846,36 +4846,6 @@
               </a:lnSpc>
               <a:buNone/>
             </a:pPr>
-            <a:r>
-              <a:rPr lang="en-US" sz="1701" b="1" dirty="0" err="1" smtClean="0">
-                <a:solidFill>
-                  <a:srgbClr val="FFE5E5"/>
-                </a:solidFill>
-                <a:latin typeface="DM Sans" pitchFamily="34" charset="0"/>
-                <a:ea typeface="DM Sans" pitchFamily="34" charset="-122"/>
-              </a:rPr>
-              <a:t>Favour</a:t>
-            </a:r>
-            <a:r>
-              <a:rPr lang="en-US" sz="1701" b="1" dirty="0" smtClean="0">
-                <a:solidFill>
-                  <a:srgbClr val="FFE5E5"/>
-                </a:solidFill>
-                <a:latin typeface="DM Sans" pitchFamily="34" charset="0"/>
-                <a:ea typeface="DM Sans" pitchFamily="34" charset="-122"/>
-              </a:rPr>
-              <a:t> </a:t>
-            </a:r>
-            <a:r>
-              <a:rPr lang="en-US" sz="1701" b="1" dirty="0" err="1" smtClean="0">
-                <a:solidFill>
-                  <a:srgbClr val="FFE5E5"/>
-                </a:solidFill>
-                <a:latin typeface="DM Sans" pitchFamily="34" charset="0"/>
-                <a:ea typeface="DM Sans" pitchFamily="34" charset="-122"/>
-              </a:rPr>
-              <a:t>wanjui</a:t>
-            </a:r>
             <a:endParaRPr lang="en-US" sz="1701" dirty="0"/>
           </a:p>
         </p:txBody>
